--- a/Präsentationen/Lehrer_Vorstellung/Präsentation.pptx
+++ b/Präsentationen/Lehrer_Vorstellung/Präsentation.pptx
@@ -433,7 +433,7 @@
           <a:p>
             <a:fld id="{54809050-0327-48C3-8198-55DC5B96BDB6}" type="datetimeFigureOut">
               <a:rPr lang="de-DE" smtClean="0"/>
-              <a:t>27.11.2024</a:t>
+              <a:t>29.11.2024</a:t>
             </a:fld>
             <a:endParaRPr lang="de-DE"/>
           </a:p>
@@ -1061,7 +1061,7 @@
               </a:spcAft>
               <a:buNone/>
             </a:pPr>
-            <a:endParaRPr/>
+            <a:endParaRPr dirty="0"/>
           </a:p>
         </p:txBody>
       </p:sp>
